--- a/stupkt/lab2/密码学基础-2-RSA密码算法.pptx
+++ b/stupkt/lab2/密码学基础-2-RSA密码算法.pptx
@@ -216,7 +216,7 @@
           <a:p>
             <a:fld id="{34135618-9EF3-4F7F-B92F-CE08023E4148}" type="datetimeFigureOut">
               <a:rPr lang="zh-CN" altLang="en-US" smtClean="0"/>
-              <a:t>2022/9/27</a:t>
+              <a:t>2022/9/29</a:t>
             </a:fld>
             <a:endParaRPr lang="zh-CN" altLang="en-US"/>
           </a:p>
@@ -381,7 +381,7 @@
           <a:p>
             <a:fld id="{53301BD9-4243-4367-977C-650CCA5948FB}" type="datetimeFigureOut">
               <a:rPr lang="zh-CN" altLang="en-US" smtClean="0"/>
-              <a:t>2022/9/27</a:t>
+              <a:t>2022/9/29</a:t>
             </a:fld>
             <a:endParaRPr lang="zh-CN" altLang="en-US"/>
           </a:p>
@@ -2539,7 +2539,7 @@
           <a:p>
             <a:fld id="{2180C721-00F0-49A5-8986-DFDB39C600B4}" type="datetimeFigureOut">
               <a:rPr lang="zh-CN" altLang="en-US" smtClean="0"/>
-              <a:t>2022/9/27</a:t>
+              <a:t>2022/9/29</a:t>
             </a:fld>
             <a:endParaRPr lang="zh-CN" altLang="en-US"/>
           </a:p>
@@ -2702,7 +2702,7 @@
           <a:p>
             <a:fld id="{2180C721-00F0-49A5-8986-DFDB39C600B4}" type="datetimeFigureOut">
               <a:rPr lang="zh-CN" altLang="en-US" smtClean="0"/>
-              <a:t>2022/9/27</a:t>
+              <a:t>2022/9/29</a:t>
             </a:fld>
             <a:endParaRPr lang="zh-CN" altLang="en-US"/>
           </a:p>
@@ -2875,7 +2875,7 @@
           <a:p>
             <a:fld id="{2180C721-00F0-49A5-8986-DFDB39C600B4}" type="datetimeFigureOut">
               <a:rPr lang="zh-CN" altLang="en-US" smtClean="0"/>
-              <a:t>2022/9/27</a:t>
+              <a:t>2022/9/29</a:t>
             </a:fld>
             <a:endParaRPr lang="zh-CN" altLang="en-US"/>
           </a:p>
@@ -3038,7 +3038,7 @@
           <a:p>
             <a:fld id="{2180C721-00F0-49A5-8986-DFDB39C600B4}" type="datetimeFigureOut">
               <a:rPr lang="zh-CN" altLang="en-US" smtClean="0"/>
-              <a:t>2022/9/27</a:t>
+              <a:t>2022/9/29</a:t>
             </a:fld>
             <a:endParaRPr lang="zh-CN" altLang="en-US"/>
           </a:p>
@@ -3278,7 +3278,7 @@
           <a:p>
             <a:fld id="{2180C721-00F0-49A5-8986-DFDB39C600B4}" type="datetimeFigureOut">
               <a:rPr lang="zh-CN" altLang="en-US" smtClean="0"/>
-              <a:t>2022/9/27</a:t>
+              <a:t>2022/9/29</a:t>
             </a:fld>
             <a:endParaRPr lang="zh-CN" altLang="en-US"/>
           </a:p>
@@ -3502,7 +3502,7 @@
           <a:p>
             <a:fld id="{2180C721-00F0-49A5-8986-DFDB39C600B4}" type="datetimeFigureOut">
               <a:rPr lang="zh-CN" altLang="en-US" smtClean="0"/>
-              <a:t>2022/9/27</a:t>
+              <a:t>2022/9/29</a:t>
             </a:fld>
             <a:endParaRPr lang="zh-CN" altLang="en-US"/>
           </a:p>
@@ -3861,7 +3861,7 @@
           <a:p>
             <a:fld id="{2180C721-00F0-49A5-8986-DFDB39C600B4}" type="datetimeFigureOut">
               <a:rPr lang="zh-CN" altLang="en-US" smtClean="0"/>
-              <a:t>2022/9/27</a:t>
+              <a:t>2022/9/29</a:t>
             </a:fld>
             <a:endParaRPr lang="zh-CN" altLang="en-US"/>
           </a:p>
@@ -3973,7 +3973,7 @@
           <a:p>
             <a:fld id="{2180C721-00F0-49A5-8986-DFDB39C600B4}" type="datetimeFigureOut">
               <a:rPr lang="zh-CN" altLang="en-US" smtClean="0"/>
-              <a:t>2022/9/27</a:t>
+              <a:t>2022/9/29</a:t>
             </a:fld>
             <a:endParaRPr lang="zh-CN" altLang="en-US"/>
           </a:p>
@@ -4063,7 +4063,7 @@
           <a:p>
             <a:fld id="{2180C721-00F0-49A5-8986-DFDB39C600B4}" type="datetimeFigureOut">
               <a:rPr lang="zh-CN" altLang="en-US" smtClean="0"/>
-              <a:t>2022/9/27</a:t>
+              <a:t>2022/9/29</a:t>
             </a:fld>
             <a:endParaRPr lang="zh-CN" altLang="en-US"/>
           </a:p>
@@ -4333,7 +4333,7 @@
           <a:p>
             <a:fld id="{2180C721-00F0-49A5-8986-DFDB39C600B4}" type="datetimeFigureOut">
               <a:rPr lang="zh-CN" altLang="en-US" smtClean="0"/>
-              <a:t>2022/9/27</a:t>
+              <a:t>2022/9/29</a:t>
             </a:fld>
             <a:endParaRPr lang="zh-CN" altLang="en-US"/>
           </a:p>
@@ -4580,7 +4580,7 @@
           <a:p>
             <a:fld id="{2180C721-00F0-49A5-8986-DFDB39C600B4}" type="datetimeFigureOut">
               <a:rPr lang="zh-CN" altLang="en-US" smtClean="0"/>
-              <a:t>2022/9/27</a:t>
+              <a:t>2022/9/29</a:t>
             </a:fld>
             <a:endParaRPr lang="zh-CN" altLang="en-US"/>
           </a:p>
@@ -4806,7 +4806,7 @@
           <a:p>
             <a:fld id="{2180C721-00F0-49A5-8986-DFDB39C600B4}" type="datetimeFigureOut">
               <a:rPr lang="zh-CN" altLang="en-US" smtClean="0"/>
-              <a:t>2022/9/27</a:t>
+              <a:t>2022/9/29</a:t>
             </a:fld>
             <a:endParaRPr lang="zh-CN" altLang="en-US"/>
           </a:p>
@@ -7082,7 +7082,7 @@
           <a:graphicData uri="http://schemas.openxmlformats.org/presentationml/2006/ole">
             <mc:AlternateContent xmlns:mc="http://schemas.openxmlformats.org/markup-compatibility/2006">
               <mc:Choice xmlns:v="urn:schemas-microsoft-com:vml" Requires="v">
-                <p:oleObj spid="_x0000_s23672" name="公式" r:id="rId7" imgW="710891" imgH="177723" progId="Equation.3">
+                <p:oleObj spid="_x0000_s23682" name="公式" r:id="rId7" imgW="710891" imgH="177723" progId="Equation.3">
                   <p:embed/>
                 </p:oleObj>
               </mc:Choice>
@@ -7155,7 +7155,7 @@
           <a:graphicData uri="http://schemas.openxmlformats.org/presentationml/2006/ole">
             <mc:AlternateContent xmlns:mc="http://schemas.openxmlformats.org/markup-compatibility/2006">
               <mc:Choice xmlns:v="urn:schemas-microsoft-com:vml" Requires="v">
-                <p:oleObj spid="_x0000_s23673" name="公式" r:id="rId9" imgW="723272" imgH="177646" progId="Equation.3">
+                <p:oleObj spid="_x0000_s23683" name="公式" r:id="rId9" imgW="723272" imgH="177646" progId="Equation.3">
                   <p:embed/>
                 </p:oleObj>
               </mc:Choice>
@@ -8082,21 +8082,35 @@
                 <a:latin typeface="微软雅黑" panose="020B0503020204020204" pitchFamily="34" charset="-122"/>
                 <a:ea typeface="微软雅黑" panose="020B0503020204020204" pitchFamily="34" charset="-122"/>
               </a:rPr>
-              <a:t>4、明文加密后的密文分组需要处理长度，否则解密时不知道如何分组。为保险起见，设置密文的分组长度为</a:t>
+              <a:t>4、明文加密后的密文分组需要处理长度，否则解密时不知道如何分组。为保险起见，设置密文的分组长度可为最大可能的长度 </a:t>
             </a:r>
             <a:r>
               <a:rPr lang="en-US" altLang="zh-CN" sz="2400" dirty="0">
                 <a:latin typeface="微软雅黑" panose="020B0503020204020204" pitchFamily="34" charset="-122"/>
                 <a:ea typeface="微软雅黑" panose="020B0503020204020204" pitchFamily="34" charset="-122"/>
               </a:rPr>
-              <a:t>l</a:t>
+              <a:t>log</a:t>
+            </a:r>
+            <a:r>
+              <a:rPr lang="en-US" altLang="zh-CN" sz="1050" dirty="0">
+                <a:latin typeface="微软雅黑" panose="020B0503020204020204" pitchFamily="34" charset="-122"/>
+                <a:ea typeface="微软雅黑" panose="020B0503020204020204" pitchFamily="34" charset="-122"/>
+              </a:rPr>
+              <a:t>2</a:t>
+            </a:r>
+            <a:r>
+              <a:rPr lang="en-US" altLang="zh-CN" sz="2400" dirty="0">
+                <a:latin typeface="微软雅黑" panose="020B0503020204020204" pitchFamily="34" charset="-122"/>
+                <a:ea typeface="微软雅黑" panose="020B0503020204020204" pitchFamily="34" charset="-122"/>
+              </a:rPr>
+              <a:t>n</a:t>
             </a:r>
             <a:r>
               <a:rPr lang="zh-CN" altLang="en-US" sz="2400" dirty="0">
                 <a:latin typeface="微软雅黑" panose="020B0503020204020204" pitchFamily="34" charset="-122"/>
                 <a:ea typeface="微软雅黑" panose="020B0503020204020204" pitchFamily="34" charset="-122"/>
               </a:rPr>
-              <a:t>的长度。也就是最大可能的长度。</a:t>
+              <a:t>。</a:t>
             </a:r>
           </a:p>
           <a:p>
@@ -8110,21 +8124,7 @@
                 <a:latin typeface="微软雅黑" panose="020B0503020204020204" pitchFamily="34" charset="-122"/>
                 <a:ea typeface="微软雅黑" panose="020B0503020204020204" pitchFamily="34" charset="-122"/>
               </a:rPr>
-              <a:t>5、对于长度不足</a:t>
-            </a:r>
-            <a:r>
-              <a:rPr lang="en-US" altLang="zh-CN" sz="2400" dirty="0">
-                <a:latin typeface="微软雅黑" panose="020B0503020204020204" pitchFamily="34" charset="-122"/>
-                <a:ea typeface="微软雅黑" panose="020B0503020204020204" pitchFamily="34" charset="-122"/>
-              </a:rPr>
-              <a:t>l</a:t>
-            </a:r>
-            <a:r>
-              <a:rPr lang="zh-CN" altLang="en-US" sz="2400" dirty="0">
-                <a:latin typeface="微软雅黑" panose="020B0503020204020204" pitchFamily="34" charset="-122"/>
-                <a:ea typeface="微软雅黑" panose="020B0503020204020204" pitchFamily="34" charset="-122"/>
-              </a:rPr>
-              <a:t>的情况，要前面补0</a:t>
+              <a:t>5、对于长度不足的情况，要前面补0</a:t>
             </a:r>
           </a:p>
           <a:p>
@@ -10471,7 +10471,7 @@
         <p:spPr>
           <a:xfrm>
             <a:off x="903515" y="1477663"/>
-            <a:ext cx="10167256" cy="5285550"/>
+            <a:ext cx="10167256" cy="4823372"/>
           </a:xfrm>
           <a:prstGeom prst="rect">
             <a:avLst/>
@@ -10601,11 +10601,32 @@
               <a:t>𝑞</a:t>
             </a:r>
             <a:r>
+              <a:rPr lang="zh-CN" altLang="en-US" sz="2000" dirty="0">
+                <a:latin typeface="微软雅黑" panose="020B0503020204020204" pitchFamily="34" charset="-122"/>
+                <a:ea typeface="微软雅黑" panose="020B0503020204020204" pitchFamily="34" charset="-122"/>
+              </a:rPr>
+              <a:t>的值在</a:t>
+            </a:r>
+            <a:r>
+              <a:rPr lang="en-US" altLang="zh-CN" sz="2000" dirty="0">
+                <a:latin typeface="微软雅黑" panose="020B0503020204020204" pitchFamily="34" charset="-122"/>
+                <a:ea typeface="微软雅黑" panose="020B0503020204020204" pitchFamily="34" charset="-122"/>
+              </a:rPr>
+              <a:t>1000-10000</a:t>
+            </a:r>
+            <a:r>
+              <a:rPr lang="zh-CN" altLang="en-US" sz="2000" dirty="0">
+                <a:latin typeface="微软雅黑" panose="020B0503020204020204" pitchFamily="34" charset="-122"/>
+                <a:ea typeface="微软雅黑" panose="020B0503020204020204" pitchFamily="34" charset="-122"/>
+              </a:rPr>
+              <a:t>之间，也就是</a:t>
+            </a:r>
+            <a:r>
               <a:rPr lang="zh-CN" altLang="zh-CN" sz="2000" dirty="0">
                 <a:latin typeface="微软雅黑" panose="020B0503020204020204" pitchFamily="34" charset="-122"/>
                 <a:ea typeface="微软雅黑" panose="020B0503020204020204" pitchFamily="34" charset="-122"/>
               </a:rPr>
-              <a:t>的二进制长度</a:t>
+              <a:t>二进制长度</a:t>
             </a:r>
             <a:r>
               <a:rPr lang="zh-CN" altLang="zh-CN" sz="2000" dirty="0">
@@ -10625,67 +10646,7 @@
                 <a:latin typeface="微软雅黑" panose="020B0503020204020204" pitchFamily="34" charset="-122"/>
                 <a:ea typeface="微软雅黑" panose="020B0503020204020204" pitchFamily="34" charset="-122"/>
               </a:rPr>
-              <a:t>14bit</a:t>
-            </a:r>
-            <a:r>
-              <a:rPr lang="zh-CN" altLang="en-US" sz="2000" dirty="0">
-                <a:solidFill>
-                  <a:srgbClr val="FF0000"/>
-                </a:solidFill>
-                <a:latin typeface="微软雅黑" panose="020B0503020204020204" pitchFamily="34" charset="-122"/>
-                <a:ea typeface="微软雅黑" panose="020B0503020204020204" pitchFamily="34" charset="-122"/>
-              </a:rPr>
-              <a:t>，也就是</a:t>
-            </a:r>
-            <a:r>
-              <a:rPr lang="en-US" altLang="zh-CN" sz="2000" dirty="0">
-                <a:solidFill>
-                  <a:srgbClr val="FF0000"/>
-                </a:solidFill>
-                <a:latin typeface="微软雅黑" panose="020B0503020204020204" pitchFamily="34" charset="-122"/>
-                <a:ea typeface="微软雅黑" panose="020B0503020204020204" pitchFamily="34" charset="-122"/>
-              </a:rPr>
-              <a:t>p</a:t>
-            </a:r>
-            <a:r>
-              <a:rPr lang="zh-CN" altLang="en-US" sz="2000" dirty="0">
-                <a:solidFill>
-                  <a:srgbClr val="FF0000"/>
-                </a:solidFill>
-                <a:latin typeface="微软雅黑" panose="020B0503020204020204" pitchFamily="34" charset="-122"/>
-                <a:ea typeface="微软雅黑" panose="020B0503020204020204" pitchFamily="34" charset="-122"/>
-              </a:rPr>
-              <a:t>和</a:t>
-            </a:r>
-            <a:r>
-              <a:rPr lang="en-US" altLang="zh-CN" sz="2000" dirty="0">
-                <a:solidFill>
-                  <a:srgbClr val="FF0000"/>
-                </a:solidFill>
-                <a:latin typeface="微软雅黑" panose="020B0503020204020204" pitchFamily="34" charset="-122"/>
-                <a:ea typeface="微软雅黑" panose="020B0503020204020204" pitchFamily="34" charset="-122"/>
-              </a:rPr>
-              <a:t>q</a:t>
-            </a:r>
-            <a:r>
-              <a:rPr lang="zh-CN" altLang="en-US" sz="2000" dirty="0">
-                <a:solidFill>
-                  <a:srgbClr val="FF0000"/>
-                </a:solidFill>
-                <a:latin typeface="微软雅黑" panose="020B0503020204020204" pitchFamily="34" charset="-122"/>
-                <a:ea typeface="微软雅黑" panose="020B0503020204020204" pitchFamily="34" charset="-122"/>
-              </a:rPr>
-              <a:t>小于</a:t>
-            </a:r>
-            <a:r>
-              <a:rPr lang="en-US" altLang="zh-CN" sz="2000" dirty="0">
-                <a:solidFill>
-                  <a:srgbClr val="FF0000"/>
-                </a:solidFill>
-                <a:latin typeface="微软雅黑" panose="020B0503020204020204" pitchFamily="34" charset="-122"/>
-                <a:ea typeface="微软雅黑" panose="020B0503020204020204" pitchFamily="34" charset="-122"/>
-              </a:rPr>
-              <a:t>10000.</a:t>
+              <a:t>14bit.</a:t>
             </a:r>
             <a:endParaRPr lang="zh-CN" altLang="zh-CN" sz="2000" dirty="0">
               <a:solidFill>
@@ -10949,7 +10910,7 @@
                 <a:latin typeface="微软雅黑" panose="020B0503020204020204" pitchFamily="34" charset="-122"/>
                 <a:ea typeface="微软雅黑" panose="020B0503020204020204" pitchFamily="34" charset="-122"/>
               </a:rPr>
-              <a:t>的值以及两种不同方式加密后的密文、解密后的明文输出到文件或屏幕。</a:t>
+              <a:t>的值以及加密后的密文、解密后的明文输出到文件或屏幕。</a:t>
             </a:r>
           </a:p>
         </p:txBody>
@@ -11446,7 +11407,7 @@
             <a:graphicData uri="http://schemas.openxmlformats.org/presentationml/2006/ole">
               <mc:AlternateContent xmlns:mc="http://schemas.openxmlformats.org/markup-compatibility/2006">
                 <mc:Choice xmlns:v="urn:schemas-microsoft-com:vml" Requires="v">
-                  <p:oleObj spid="_x0000_s25696" name="Equation" r:id="rId5" imgW="142357" imgH="155298" progId="Equation.DSMT4">
+                  <p:oleObj spid="_x0000_s25746" name="Equation" r:id="rId5" imgW="142357" imgH="155298" progId="Equation.DSMT4">
                     <p:embed/>
                   </p:oleObj>
                 </mc:Choice>
@@ -11528,7 +11489,7 @@
             <a:graphicData uri="http://schemas.openxmlformats.org/presentationml/2006/ole">
               <mc:AlternateContent xmlns:mc="http://schemas.openxmlformats.org/markup-compatibility/2006">
                 <mc:Choice xmlns:v="urn:schemas-microsoft-com:vml" Requires="v">
-                  <p:oleObj spid="_x0000_s25697" name="Equation" r:id="rId7" imgW="126780" imgH="164814" progId="Equation.DSMT4">
+                  <p:oleObj spid="_x0000_s25747" name="Equation" r:id="rId7" imgW="126780" imgH="164814" progId="Equation.DSMT4">
                     <p:embed/>
                   </p:oleObj>
                 </mc:Choice>
@@ -11865,7 +11826,7 @@
             <a:graphicData uri="http://schemas.openxmlformats.org/presentationml/2006/ole">
               <mc:AlternateContent xmlns:mc="http://schemas.openxmlformats.org/markup-compatibility/2006">
                 <mc:Choice xmlns:v="urn:schemas-microsoft-com:vml" Requires="v">
-                  <p:oleObj spid="_x0000_s25698" name="Equation" r:id="rId9" imgW="547764" imgH="165603" progId="Equation.DSMT4">
+                  <p:oleObj spid="_x0000_s25748" name="Equation" r:id="rId9" imgW="547764" imgH="165603" progId="Equation.DSMT4">
                     <p:embed/>
                   </p:oleObj>
                 </mc:Choice>
@@ -12224,7 +12185,7 @@
             <a:graphicData uri="http://schemas.openxmlformats.org/presentationml/2006/ole">
               <mc:AlternateContent xmlns:mc="http://schemas.openxmlformats.org/markup-compatibility/2006">
                 <mc:Choice xmlns:v="urn:schemas-microsoft-com:vml" Requires="v">
-                  <p:oleObj spid="_x0000_s25699" name="Equation" r:id="rId11" imgW="1184699" imgH="203819" progId="Equation.DSMT4">
+                  <p:oleObj spid="_x0000_s25749" name="Equation" r:id="rId11" imgW="1184699" imgH="203819" progId="Equation.DSMT4">
                     <p:embed/>
                   </p:oleObj>
                 </mc:Choice>
@@ -12346,7 +12307,7 @@
             <a:graphicData uri="http://schemas.openxmlformats.org/presentationml/2006/ole">
               <mc:AlternateContent xmlns:mc="http://schemas.openxmlformats.org/markup-compatibility/2006">
                 <mc:Choice xmlns:v="urn:schemas-microsoft-com:vml" Requires="v">
-                  <p:oleObj spid="_x0000_s25700" name="Equation" r:id="rId13" imgW="1172471" imgH="191164" progId="Equation.DSMT4">
+                  <p:oleObj spid="_x0000_s25750" name="Equation" r:id="rId13" imgW="1172471" imgH="191164" progId="Equation.DSMT4">
                     <p:embed/>
                   </p:oleObj>
                 </mc:Choice>
@@ -12787,7 +12748,7 @@
             <a:graphicData uri="http://schemas.openxmlformats.org/presentationml/2006/ole">
               <mc:AlternateContent xmlns:mc="http://schemas.openxmlformats.org/markup-compatibility/2006">
                 <mc:Choice xmlns:v="urn:schemas-microsoft-com:vml" Requires="v">
-                  <p:oleObj spid="_x0000_s25701" name="Equation" r:id="rId15" imgW="688489" imgH="191247" progId="Equation.DSMT4">
+                  <p:oleObj spid="_x0000_s25751" name="Equation" r:id="rId15" imgW="688489" imgH="191247" progId="Equation.DSMT4">
                     <p:embed/>
                   </p:oleObj>
                 </mc:Choice>
@@ -12888,7 +12849,7 @@
             <a:graphicData uri="http://schemas.openxmlformats.org/presentationml/2006/ole">
               <mc:AlternateContent xmlns:mc="http://schemas.openxmlformats.org/markup-compatibility/2006">
                 <mc:Choice xmlns:v="urn:schemas-microsoft-com:vml" Requires="v">
-                  <p:oleObj spid="_x0000_s25702" name="Equation" r:id="rId17" imgW="965160" imgH="215640" progId="Equation.DSMT4">
+                  <p:oleObj spid="_x0000_s25752" name="Equation" r:id="rId17" imgW="965160" imgH="215640" progId="Equation.DSMT4">
                     <p:embed/>
                   </p:oleObj>
                 </mc:Choice>
@@ -12989,7 +12950,7 @@
             <a:graphicData uri="http://schemas.openxmlformats.org/presentationml/2006/ole">
               <mc:AlternateContent xmlns:mc="http://schemas.openxmlformats.org/markup-compatibility/2006">
                 <mc:Choice xmlns:v="urn:schemas-microsoft-com:vml" Requires="v">
-                  <p:oleObj spid="_x0000_s25703" name="Equation" r:id="rId19" imgW="307066" imgH="191916" progId="Equation.DSMT4">
+                  <p:oleObj spid="_x0000_s25753" name="Equation" r:id="rId19" imgW="307066" imgH="191916" progId="Equation.DSMT4">
                     <p:embed/>
                   </p:oleObj>
                 </mc:Choice>
@@ -13335,7 +13296,7 @@
               <a:graphicData uri="http://schemas.openxmlformats.org/presentationml/2006/ole">
                 <mc:AlternateContent xmlns:mc="http://schemas.openxmlformats.org/markup-compatibility/2006">
                   <mc:Choice xmlns:v="urn:schemas-microsoft-com:vml" Requires="v">
-                    <p:oleObj spid="_x0000_s25704" name="Equation" r:id="rId21" imgW="358087" imgH="217410" progId="Equation.DSMT4">
+                    <p:oleObj spid="_x0000_s25754" name="Equation" r:id="rId21" imgW="358087" imgH="217410" progId="Equation.DSMT4">
                       <p:embed/>
                     </p:oleObj>
                   </mc:Choice>
@@ -13436,7 +13397,7 @@
               <a:graphicData uri="http://schemas.openxmlformats.org/presentationml/2006/ole">
                 <mc:AlternateContent xmlns:mc="http://schemas.openxmlformats.org/markup-compatibility/2006">
                   <mc:Choice xmlns:v="urn:schemas-microsoft-com:vml" Requires="v">
-                    <p:oleObj spid="_x0000_s25705" name="Equation" r:id="rId23" imgW="383497" imgH="217315" progId="Equation.DSMT4">
+                    <p:oleObj spid="_x0000_s25755" name="Equation" r:id="rId23" imgW="383497" imgH="217315" progId="Equation.DSMT4">
                       <p:embed/>
                     </p:oleObj>
                   </mc:Choice>
@@ -13836,81 +13797,6 @@
       </p:transition>
     </mc:Fallback>
   </mc:AlternateContent>
-  <p:timing>
-    <p:tnLst>
-      <p:par>
-        <p:cTn id="1" dur="indefinite" restart="never" nodeType="tmRoot">
-          <p:childTnLst>
-            <p:seq concurrent="1" nextAc="seek">
-              <p:cTn id="2" dur="indefinite" nodeType="mainSeq">
-                <p:childTnLst>
-                  <p:par>
-                    <p:cTn id="3" fill="hold">
-                      <p:stCondLst>
-                        <p:cond delay="indefinite"/>
-                      </p:stCondLst>
-                      <p:childTnLst>
-                        <p:par>
-                          <p:cTn id="4" fill="hold">
-                            <p:stCondLst>
-                              <p:cond delay="0"/>
-                            </p:stCondLst>
-                            <p:childTnLst>
-                              <p:par>
-                                <p:cTn id="5" presetID="1" presetClass="entr" presetSubtype="0" fill="hold" nodeType="clickEffect">
-                                  <p:stCondLst>
-                                    <p:cond delay="0"/>
-                                  </p:stCondLst>
-                                  <p:childTnLst>
-                                    <p:set>
-                                      <p:cBhvr>
-                                        <p:cTn id="6" dur="1" fill="hold">
-                                          <p:stCondLst>
-                                            <p:cond delay="0"/>
-                                          </p:stCondLst>
-                                        </p:cTn>
-                                        <p:tgtEl>
-                                          <p:spTgt spid="30"/>
-                                        </p:tgtEl>
-                                        <p:attrNameLst>
-                                          <p:attrName>style.visibility</p:attrName>
-                                        </p:attrNameLst>
-                                      </p:cBhvr>
-                                      <p:to>
-                                        <p:strVal val="visible"/>
-                                      </p:to>
-                                    </p:set>
-                                  </p:childTnLst>
-                                </p:cTn>
-                              </p:par>
-                            </p:childTnLst>
-                          </p:cTn>
-                        </p:par>
-                      </p:childTnLst>
-                    </p:cTn>
-                  </p:par>
-                </p:childTnLst>
-              </p:cTn>
-              <p:prevCondLst>
-                <p:cond evt="onPrev" delay="0">
-                  <p:tgtEl>
-                    <p:sldTgt/>
-                  </p:tgtEl>
-                </p:cond>
-              </p:prevCondLst>
-              <p:nextCondLst>
-                <p:cond evt="onNext" delay="0">
-                  <p:tgtEl>
-                    <p:sldTgt/>
-                  </p:tgtEl>
-                </p:cond>
-              </p:nextCondLst>
-            </p:seq>
-          </p:childTnLst>
-        </p:cTn>
-      </p:par>
-    </p:tnLst>
-  </p:timing>
 </p:sld>
 </file>
 
@@ -14363,7 +14249,7 @@
           <a:graphicData uri="http://schemas.openxmlformats.org/presentationml/2006/ole">
             <mc:AlternateContent xmlns:mc="http://schemas.openxmlformats.org/markup-compatibility/2006">
               <mc:Choice xmlns:v="urn:schemas-microsoft-com:vml" Requires="v">
-                <p:oleObj spid="_x0000_s20725" name="公式" r:id="rId5" imgW="710891" imgH="177723" progId="Equation.3">
+                <p:oleObj spid="_x0000_s20740" name="公式" r:id="rId5" imgW="710891" imgH="177723" progId="Equation.3">
                   <p:embed/>
                 </p:oleObj>
               </mc:Choice>
@@ -14436,7 +14322,7 @@
           <a:graphicData uri="http://schemas.openxmlformats.org/presentationml/2006/ole">
             <mc:AlternateContent xmlns:mc="http://schemas.openxmlformats.org/markup-compatibility/2006">
               <mc:Choice xmlns:v="urn:schemas-microsoft-com:vml" Requires="v">
-                <p:oleObj spid="_x0000_s20726" name="公式" r:id="rId7" imgW="723272" imgH="177646" progId="Equation.3">
+                <p:oleObj spid="_x0000_s20741" name="公式" r:id="rId7" imgW="723272" imgH="177646" progId="Equation.3">
                   <p:embed/>
                 </p:oleObj>
               </mc:Choice>
@@ -14661,7 +14547,7 @@
           <a:graphicData uri="http://schemas.openxmlformats.org/presentationml/2006/ole">
             <mc:AlternateContent xmlns:mc="http://schemas.openxmlformats.org/markup-compatibility/2006">
               <mc:Choice xmlns:v="urn:schemas-microsoft-com:vml" Requires="v">
-                <p:oleObj spid="_x0000_s20727" name="Equation" r:id="rId9" imgW="383664" imgH="204621" progId="Equation.DSMT4">
+                <p:oleObj spid="_x0000_s20742" name="Equation" r:id="rId9" imgW="383664" imgH="204621" progId="Equation.DSMT4">
                   <p:embed/>
                 </p:oleObj>
               </mc:Choice>
@@ -16334,7 +16220,7 @@
           <a:graphicData uri="http://schemas.openxmlformats.org/presentationml/2006/ole">
             <mc:AlternateContent xmlns:mc="http://schemas.openxmlformats.org/markup-compatibility/2006">
               <mc:Choice xmlns:v="urn:schemas-microsoft-com:vml" Requires="v">
-                <p:oleObj spid="_x0000_s14455" name="Equation" r:id="rId5" imgW="1184699" imgH="203819" progId="Equation.DSMT4">
+                <p:oleObj spid="_x0000_s14460" name="Equation" r:id="rId5" imgW="1184699" imgH="203819" progId="Equation.DSMT4">
                   <p:embed/>
                 </p:oleObj>
               </mc:Choice>
@@ -16846,8 +16732,8 @@
           </a:p>
         </p:txBody>
       </p:sp>
-      <mc:AlternateContent xmlns:mc="http://schemas.openxmlformats.org/markup-compatibility/2006">
-        <mc:Choice xmlns:a14="http://schemas.microsoft.com/office/drawing/2010/main" Requires="a14">
+      <mc:AlternateContent xmlns:mc="http://schemas.openxmlformats.org/markup-compatibility/2006" xmlns:a14="http://schemas.microsoft.com/office/drawing/2010/main">
+        <mc:Choice Requires="a14">
           <p:sp>
             <p:nvSpPr>
               <p:cNvPr id="9" name="Content Placeholder 2">
@@ -17490,7 +17376,7 @@
             </p:txBody>
           </p:sp>
         </mc:Choice>
-        <mc:Fallback>
+        <mc:Fallback xmlns="">
           <p:sp>
             <p:nvSpPr>
               <p:cNvPr id="9" name="Content Placeholder 2">
@@ -17967,7 +17853,7 @@
           <a:graphicData uri="http://schemas.openxmlformats.org/presentationml/2006/ole">
             <mc:AlternateContent xmlns:mc="http://schemas.openxmlformats.org/markup-compatibility/2006">
               <mc:Choice xmlns:v="urn:schemas-microsoft-com:vml" Requires="v">
-                <p:oleObj spid="_x0000_s24599" name="Equation" r:id="rId5" imgW="1184699" imgH="203819" progId="Equation.DSMT4">
+                <p:oleObj spid="_x0000_s24604" name="Equation" r:id="rId5" imgW="1184699" imgH="203819" progId="Equation.DSMT4">
                   <p:embed/>
                 </p:oleObj>
               </mc:Choice>
